--- a/design/LifeDots.pptx
+++ b/design/LifeDots.pptx
@@ -266,7 +266,7 @@
           <a:p>
             <a:fld id="{66A54E9D-6FBF-457A-9277-F5DBF033731C}" type="datetimeFigureOut">
               <a:rPr lang="en-US" smtClean="0"/>
-              <a:t>8/21/2020</a:t>
+              <a:t>10/3/2020</a:t>
             </a:fld>
             <a:endParaRPr lang="en-US"/>
           </a:p>
@@ -464,7 +464,7 @@
           <a:p>
             <a:fld id="{66A54E9D-6FBF-457A-9277-F5DBF033731C}" type="datetimeFigureOut">
               <a:rPr lang="en-US" smtClean="0"/>
-              <a:t>8/21/2020</a:t>
+              <a:t>10/3/2020</a:t>
             </a:fld>
             <a:endParaRPr lang="en-US"/>
           </a:p>
@@ -672,7 +672,7 @@
           <a:p>
             <a:fld id="{66A54E9D-6FBF-457A-9277-F5DBF033731C}" type="datetimeFigureOut">
               <a:rPr lang="en-US" smtClean="0"/>
-              <a:t>8/21/2020</a:t>
+              <a:t>10/3/2020</a:t>
             </a:fld>
             <a:endParaRPr lang="en-US"/>
           </a:p>
@@ -870,7 +870,7 @@
           <a:p>
             <a:fld id="{66A54E9D-6FBF-457A-9277-F5DBF033731C}" type="datetimeFigureOut">
               <a:rPr lang="en-US" smtClean="0"/>
-              <a:t>8/21/2020</a:t>
+              <a:t>10/3/2020</a:t>
             </a:fld>
             <a:endParaRPr lang="en-US"/>
           </a:p>
@@ -1145,7 +1145,7 @@
           <a:p>
             <a:fld id="{66A54E9D-6FBF-457A-9277-F5DBF033731C}" type="datetimeFigureOut">
               <a:rPr lang="en-US" smtClean="0"/>
-              <a:t>8/21/2020</a:t>
+              <a:t>10/3/2020</a:t>
             </a:fld>
             <a:endParaRPr lang="en-US"/>
           </a:p>
@@ -1410,7 +1410,7 @@
           <a:p>
             <a:fld id="{66A54E9D-6FBF-457A-9277-F5DBF033731C}" type="datetimeFigureOut">
               <a:rPr lang="en-US" smtClean="0"/>
-              <a:t>8/21/2020</a:t>
+              <a:t>10/3/2020</a:t>
             </a:fld>
             <a:endParaRPr lang="en-US"/>
           </a:p>
@@ -1822,7 +1822,7 @@
           <a:p>
             <a:fld id="{66A54E9D-6FBF-457A-9277-F5DBF033731C}" type="datetimeFigureOut">
               <a:rPr lang="en-US" smtClean="0"/>
-              <a:t>8/21/2020</a:t>
+              <a:t>10/3/2020</a:t>
             </a:fld>
             <a:endParaRPr lang="en-US"/>
           </a:p>
@@ -1963,7 +1963,7 @@
           <a:p>
             <a:fld id="{66A54E9D-6FBF-457A-9277-F5DBF033731C}" type="datetimeFigureOut">
               <a:rPr lang="en-US" smtClean="0"/>
-              <a:t>8/21/2020</a:t>
+              <a:t>10/3/2020</a:t>
             </a:fld>
             <a:endParaRPr lang="en-US"/>
           </a:p>
@@ -2076,7 +2076,7 @@
           <a:p>
             <a:fld id="{66A54E9D-6FBF-457A-9277-F5DBF033731C}" type="datetimeFigureOut">
               <a:rPr lang="en-US" smtClean="0"/>
-              <a:t>8/21/2020</a:t>
+              <a:t>10/3/2020</a:t>
             </a:fld>
             <a:endParaRPr lang="en-US"/>
           </a:p>
@@ -2387,7 +2387,7 @@
           <a:p>
             <a:fld id="{66A54E9D-6FBF-457A-9277-F5DBF033731C}" type="datetimeFigureOut">
               <a:rPr lang="en-US" smtClean="0"/>
-              <a:t>8/21/2020</a:t>
+              <a:t>10/3/2020</a:t>
             </a:fld>
             <a:endParaRPr lang="en-US"/>
           </a:p>
@@ -2675,7 +2675,7 @@
           <a:p>
             <a:fld id="{66A54E9D-6FBF-457A-9277-F5DBF033731C}" type="datetimeFigureOut">
               <a:rPr lang="en-US" smtClean="0"/>
-              <a:t>8/21/2020</a:t>
+              <a:t>10/3/2020</a:t>
             </a:fld>
             <a:endParaRPr lang="en-US"/>
           </a:p>
@@ -2916,7 +2916,7 @@
           <a:p>
             <a:fld id="{66A54E9D-6FBF-457A-9277-F5DBF033731C}" type="datetimeFigureOut">
               <a:rPr lang="en-US" smtClean="0"/>
-              <a:t>8/21/2020</a:t>
+              <a:t>10/3/2020</a:t>
             </a:fld>
             <a:endParaRPr lang="en-US"/>
           </a:p>
@@ -3692,100 +3692,6 @@
           </p:txBody>
         </p:sp>
       </p:grpSp>
-      <p:pic>
-        <p:nvPicPr>
-          <p:cNvPr id="1026" name="Picture 2" descr="Well it seems those porn ads are getting smarter. [NSFW] : WTF">
-            <a:extLst>
-              <a:ext uri="{FF2B5EF4-FFF2-40B4-BE49-F238E27FC236}">
-                <a16:creationId xmlns:a16="http://schemas.microsoft.com/office/drawing/2014/main" id="{B13EDDD7-899F-40CE-946C-5AA0B4EA2268}"/>
-              </a:ext>
-            </a:extLst>
-          </p:cNvPr>
-          <p:cNvPicPr>
-            <a:picLocks noChangeAspect="1" noChangeArrowheads="1"/>
-          </p:cNvPicPr>
-          <p:nvPr/>
-        </p:nvPicPr>
-        <p:blipFill>
-          <a:blip r:embed="rId2">
-            <a:extLst>
-              <a:ext uri="{28A0092B-C50C-407E-A947-70E740481C1C}">
-                <a14:useLocalDpi xmlns:a14="http://schemas.microsoft.com/office/drawing/2010/main" val="0"/>
-              </a:ext>
-            </a:extLst>
-          </a:blip>
-          <a:srcRect/>
-          <a:stretch>
-            <a:fillRect/>
-          </a:stretch>
-        </p:blipFill>
-        <p:spPr bwMode="auto">
-          <a:xfrm>
-            <a:off x="-1" y="-1"/>
-            <a:ext cx="2667000" cy="6858001"/>
-          </a:xfrm>
-          <a:prstGeom prst="rect">
-            <a:avLst/>
-          </a:prstGeom>
-          <a:noFill/>
-          <a:extLst>
-            <a:ext uri="{909E8E84-426E-40DD-AFC4-6F175D3DCCD1}">
-              <a14:hiddenFill xmlns:a14="http://schemas.microsoft.com/office/drawing/2010/main">
-                <a:solidFill>
-                  <a:srgbClr val="FFFFFF"/>
-                </a:solidFill>
-              </a14:hiddenFill>
-            </a:ext>
-          </a:extLst>
-        </p:spPr>
-      </p:pic>
-      <p:pic>
-        <p:nvPicPr>
-          <p:cNvPr id="1028" name="Picture 4" descr="These porn ads are out of control : funny">
-            <a:extLst>
-              <a:ext uri="{FF2B5EF4-FFF2-40B4-BE49-F238E27FC236}">
-                <a16:creationId xmlns:a16="http://schemas.microsoft.com/office/drawing/2014/main" id="{3A1FA665-A919-483E-88E6-900E9D70ACA4}"/>
-              </a:ext>
-            </a:extLst>
-          </p:cNvPr>
-          <p:cNvPicPr>
-            <a:picLocks noChangeAspect="1" noChangeArrowheads="1"/>
-          </p:cNvPicPr>
-          <p:nvPr/>
-        </p:nvPicPr>
-        <p:blipFill>
-          <a:blip r:embed="rId3">
-            <a:extLst>
-              <a:ext uri="{28A0092B-C50C-407E-A947-70E740481C1C}">
-                <a14:useLocalDpi xmlns:a14="http://schemas.microsoft.com/office/drawing/2010/main" val="0"/>
-              </a:ext>
-            </a:extLst>
-          </a:blip>
-          <a:srcRect/>
-          <a:stretch>
-            <a:fillRect/>
-          </a:stretch>
-        </p:blipFill>
-        <p:spPr bwMode="auto">
-          <a:xfrm>
-            <a:off x="9524999" y="0"/>
-            <a:ext cx="2667001" cy="6858000"/>
-          </a:xfrm>
-          <a:prstGeom prst="rect">
-            <a:avLst/>
-          </a:prstGeom>
-          <a:noFill/>
-          <a:extLst>
-            <a:ext uri="{909E8E84-426E-40DD-AFC4-6F175D3DCCD1}">
-              <a14:hiddenFill xmlns:a14="http://schemas.microsoft.com/office/drawing/2010/main">
-                <a:solidFill>
-                  <a:srgbClr val="FFFFFF"/>
-                </a:solidFill>
-              </a14:hiddenFill>
-            </a:ext>
-          </a:extLst>
-        </p:spPr>
-      </p:pic>
     </p:spTree>
     <p:extLst>
       <p:ext uri="{BB962C8B-B14F-4D97-AF65-F5344CB8AC3E}">
@@ -3949,83 +3855,6 @@
           </a:p>
         </p:txBody>
       </p:sp>
-      <p:pic>
-        <p:nvPicPr>
-          <p:cNvPr id="16" name="Picture 15">
-            <a:extLst>
-              <a:ext uri="{FF2B5EF4-FFF2-40B4-BE49-F238E27FC236}">
-                <a16:creationId xmlns:a16="http://schemas.microsoft.com/office/drawing/2014/main" id="{47D8E237-A038-43CF-890D-AB6ADD5A4694}"/>
-              </a:ext>
-            </a:extLst>
-          </p:cNvPr>
-          <p:cNvPicPr>
-            <a:picLocks noChangeAspect="1"/>
-          </p:cNvPicPr>
-          <p:nvPr/>
-        </p:nvPicPr>
-        <p:blipFill>
-          <a:blip r:embed="rId2"/>
-          <a:stretch>
-            <a:fillRect/>
-          </a:stretch>
-        </p:blipFill>
-        <p:spPr>
-          <a:xfrm>
-            <a:off x="-1" y="-4"/>
-            <a:ext cx="2676525" cy="6858002"/>
-          </a:xfrm>
-          <a:prstGeom prst="rect">
-            <a:avLst/>
-          </a:prstGeom>
-        </p:spPr>
-      </p:pic>
-      <p:pic>
-        <p:nvPicPr>
-          <p:cNvPr id="2056" name="Picture 8" descr="These porn ads are getting out of control. : funny">
-            <a:extLst>
-              <a:ext uri="{FF2B5EF4-FFF2-40B4-BE49-F238E27FC236}">
-                <a16:creationId xmlns:a16="http://schemas.microsoft.com/office/drawing/2014/main" id="{50D9150F-D28E-4667-9751-AA5DF48ADA37}"/>
-              </a:ext>
-            </a:extLst>
-          </p:cNvPr>
-          <p:cNvPicPr>
-            <a:picLocks noChangeAspect="1" noChangeArrowheads="1"/>
-          </p:cNvPicPr>
-          <p:nvPr/>
-        </p:nvPicPr>
-        <p:blipFill>
-          <a:blip r:embed="rId3">
-            <a:extLst>
-              <a:ext uri="{28A0092B-C50C-407E-A947-70E740481C1C}">
-                <a14:useLocalDpi xmlns:a14="http://schemas.microsoft.com/office/drawing/2010/main" val="0"/>
-              </a:ext>
-            </a:extLst>
-          </a:blip>
-          <a:srcRect/>
-          <a:stretch>
-            <a:fillRect/>
-          </a:stretch>
-        </p:blipFill>
-        <p:spPr bwMode="auto">
-          <a:xfrm>
-            <a:off x="9525000" y="-2"/>
-            <a:ext cx="2667000" cy="6858002"/>
-          </a:xfrm>
-          <a:prstGeom prst="rect">
-            <a:avLst/>
-          </a:prstGeom>
-          <a:noFill/>
-          <a:extLst>
-            <a:ext uri="{909E8E84-426E-40DD-AFC4-6F175D3DCCD1}">
-              <a14:hiddenFill xmlns:a14="http://schemas.microsoft.com/office/drawing/2010/main">
-                <a:solidFill>
-                  <a:srgbClr val="FFFFFF"/>
-                </a:solidFill>
-              </a14:hiddenFill>
-            </a:ext>
-          </a:extLst>
-        </p:spPr>
-      </p:pic>
     </p:spTree>
     <p:extLst>
       <p:ext uri="{BB962C8B-B14F-4D97-AF65-F5344CB8AC3E}">
